--- a/AWS/AWS_Disaster_Recovery&BackUps.pptx
+++ b/AWS/AWS_Disaster_Recovery&BackUps.pptx
@@ -3611,7 +3611,7 @@
           <a:p>
             <a:fld id="{34C307C2-D910-4122-9388-FE9DC4B9E077}" type="datetimeFigureOut">
               <a:rPr lang="en-IN" smtClean="0"/>
-              <a:t>11-12-2025</a:t>
+              <a:t>13-12-2025</a:t>
             </a:fld>
             <a:endParaRPr lang="en-IN"/>
           </a:p>
@@ -4484,7 +4484,7 @@
           <a:p>
             <a:fld id="{80B77DFC-8711-4557-8CA1-4C836922276B}" type="datetimeFigureOut">
               <a:rPr lang="en-IN" smtClean="0"/>
-              <a:t>11-12-2025</a:t>
+              <a:t>13-12-2025</a:t>
             </a:fld>
             <a:endParaRPr lang="en-IN"/>
           </a:p>
@@ -4684,7 +4684,7 @@
           <a:p>
             <a:fld id="{80B77DFC-8711-4557-8CA1-4C836922276B}" type="datetimeFigureOut">
               <a:rPr lang="en-IN" smtClean="0"/>
-              <a:t>11-12-2025</a:t>
+              <a:t>13-12-2025</a:t>
             </a:fld>
             <a:endParaRPr lang="en-IN"/>
           </a:p>
@@ -4894,7 +4894,7 @@
           <a:p>
             <a:fld id="{80B77DFC-8711-4557-8CA1-4C836922276B}" type="datetimeFigureOut">
               <a:rPr lang="en-IN" smtClean="0"/>
-              <a:t>11-12-2025</a:t>
+              <a:t>13-12-2025</a:t>
             </a:fld>
             <a:endParaRPr lang="en-IN"/>
           </a:p>
@@ -5094,7 +5094,7 @@
           <a:p>
             <a:fld id="{80B77DFC-8711-4557-8CA1-4C836922276B}" type="datetimeFigureOut">
               <a:rPr lang="en-IN" smtClean="0"/>
-              <a:t>11-12-2025</a:t>
+              <a:t>13-12-2025</a:t>
             </a:fld>
             <a:endParaRPr lang="en-IN"/>
           </a:p>
@@ -5370,7 +5370,7 @@
           <a:p>
             <a:fld id="{80B77DFC-8711-4557-8CA1-4C836922276B}" type="datetimeFigureOut">
               <a:rPr lang="en-IN" smtClean="0"/>
-              <a:t>11-12-2025</a:t>
+              <a:t>13-12-2025</a:t>
             </a:fld>
             <a:endParaRPr lang="en-IN"/>
           </a:p>
@@ -5638,7 +5638,7 @@
           <a:p>
             <a:fld id="{80B77DFC-8711-4557-8CA1-4C836922276B}" type="datetimeFigureOut">
               <a:rPr lang="en-IN" smtClean="0"/>
-              <a:t>11-12-2025</a:t>
+              <a:t>13-12-2025</a:t>
             </a:fld>
             <a:endParaRPr lang="en-IN"/>
           </a:p>
@@ -6053,7 +6053,7 @@
           <a:p>
             <a:fld id="{80B77DFC-8711-4557-8CA1-4C836922276B}" type="datetimeFigureOut">
               <a:rPr lang="en-IN" smtClean="0"/>
-              <a:t>11-12-2025</a:t>
+              <a:t>13-12-2025</a:t>
             </a:fld>
             <a:endParaRPr lang="en-IN"/>
           </a:p>
@@ -6195,7 +6195,7 @@
           <a:p>
             <a:fld id="{80B77DFC-8711-4557-8CA1-4C836922276B}" type="datetimeFigureOut">
               <a:rPr lang="en-IN" smtClean="0"/>
-              <a:t>11-12-2025</a:t>
+              <a:t>13-12-2025</a:t>
             </a:fld>
             <a:endParaRPr lang="en-IN"/>
           </a:p>
@@ -6308,7 +6308,7 @@
           <a:p>
             <a:fld id="{80B77DFC-8711-4557-8CA1-4C836922276B}" type="datetimeFigureOut">
               <a:rPr lang="en-IN" smtClean="0"/>
-              <a:t>11-12-2025</a:t>
+              <a:t>13-12-2025</a:t>
             </a:fld>
             <a:endParaRPr lang="en-IN"/>
           </a:p>
@@ -6621,7 +6621,7 @@
           <a:p>
             <a:fld id="{80B77DFC-8711-4557-8CA1-4C836922276B}" type="datetimeFigureOut">
               <a:rPr lang="en-IN" smtClean="0"/>
-              <a:t>11-12-2025</a:t>
+              <a:t>13-12-2025</a:t>
             </a:fld>
             <a:endParaRPr lang="en-IN"/>
           </a:p>
@@ -6910,7 +6910,7 @@
           <a:p>
             <a:fld id="{80B77DFC-8711-4557-8CA1-4C836922276B}" type="datetimeFigureOut">
               <a:rPr lang="en-IN" smtClean="0"/>
-              <a:t>11-12-2025</a:t>
+              <a:t>13-12-2025</a:t>
             </a:fld>
             <a:endParaRPr lang="en-IN"/>
           </a:p>
@@ -7153,7 +7153,7 @@
           <a:p>
             <a:fld id="{80B77DFC-8711-4557-8CA1-4C836922276B}" type="datetimeFigureOut">
               <a:rPr lang="en-IN" smtClean="0"/>
-              <a:t>11-12-2025</a:t>
+              <a:t>13-12-2025</a:t>
             </a:fld>
             <a:endParaRPr lang="en-IN"/>
           </a:p>
@@ -8853,7 +8853,7 @@
             </a:r>
             <a:r>
               <a:rPr lang="en-IN" sz="1400" dirty="0"/>
-              <a:t> Automated EBS snapshot lifecycle management</a:t>
+              <a:t> Automated EBS snapshot lifecycle management and AMI Management</a:t>
             </a:r>
           </a:p>
           <a:p>
@@ -12235,7 +12235,7 @@
           <p:nvPr>
             <p:extLst>
               <p:ext uri="{D42A27DB-BD31-4B8C-83A1-F6EECF244321}">
-                <p14:modId xmlns:p14="http://schemas.microsoft.com/office/powerpoint/2010/main" val="2077396954"/>
+                <p14:modId xmlns:p14="http://schemas.microsoft.com/office/powerpoint/2010/main" val="2656708085"/>
               </p:ext>
             </p:extLst>
           </p:nvPr>
@@ -12421,8 +12421,8 @@
                         <a:buNone/>
                       </a:pPr>
                       <a:r>
-                        <a:rPr lang="en-IN"/>
-                        <a:t>10+ hours</a:t>
+                        <a:rPr lang="en-IN" dirty="0"/>
+                        <a:t>~2-10+ hours</a:t>
                       </a:r>
                     </a:p>
                   </a:txBody>
@@ -12510,7 +12510,7 @@
                       </a:pPr>
                       <a:r>
                         <a:rPr lang="en-IN" dirty="0"/>
-                        <a:t>10-30 min</a:t>
+                        <a:t>~15-45 min</a:t>
                       </a:r>
                     </a:p>
                   </a:txBody>
@@ -12685,8 +12685,8 @@
                         <a:buNone/>
                       </a:pPr>
                       <a:r>
-                        <a:rPr lang="en-IN"/>
-                        <a:t>&lt;1 min</a:t>
+                        <a:rPr lang="en-IN" dirty="0"/>
+                        <a:t>Near-zero</a:t>
                       </a:r>
                     </a:p>
                   </a:txBody>
@@ -12701,7 +12701,7 @@
                         <a:buNone/>
                       </a:pPr>
                       <a:r>
-                        <a:rPr lang="en-IN"/>
+                        <a:rPr lang="en-IN" dirty="0"/>
                         <a:t>Near-zero</a:t>
                       </a:r>
                     </a:p>
@@ -12923,31 +12923,7 @@
             </a:r>
             <a:r>
               <a:rPr lang="en-IN" sz="1400" b="1" dirty="0"/>
-              <a:t>Downtime tolerance</a:t>
-            </a:r>
-            <a:endParaRPr lang="en-US" sz="1400" dirty="0"/>
-          </a:p>
-          <a:p>
-            <a:pPr>
-              <a:spcBef>
-                <a:spcPts val="600"/>
-              </a:spcBef>
-            </a:pPr>
-            <a:endParaRPr lang="en-US" sz="1400" dirty="0"/>
-          </a:p>
-          <a:p>
-            <a:pPr>
-              <a:spcBef>
-                <a:spcPts val="600"/>
-              </a:spcBef>
-            </a:pPr>
-            <a:r>
-              <a:rPr lang="en-US" sz="1400" b="1" dirty="0"/>
-              <a:t>RTO (Recovery Time Objective):</a:t>
-            </a:r>
-            <a:r>
-              <a:rPr lang="en-US" sz="1400" dirty="0"/>
-              <a:t> Maximum acceptable downtime</a:t>
+              <a:t>Data loss tolerance</a:t>
             </a:r>
           </a:p>
           <a:p>
@@ -12958,9 +12934,21 @@
               <a:buFont typeface="Wingdings" panose="05000000000000000000" pitchFamily="2" charset="2"/>
               <a:buChar char="Ø"/>
             </a:pPr>
+            <a:endParaRPr lang="en-US" sz="1400" dirty="0"/>
+          </a:p>
+          <a:p>
+            <a:pPr>
+              <a:spcBef>
+                <a:spcPts val="600"/>
+              </a:spcBef>
+            </a:pPr>
+            <a:r>
+              <a:rPr lang="en-US" sz="1400" b="1" dirty="0"/>
+              <a:t>RTO (Recovery Time Objective):</a:t>
+            </a:r>
             <a:r>
               <a:rPr lang="en-US" sz="1400" dirty="0"/>
-              <a:t>How quickly must we recover?</a:t>
+              <a:t> Maximum acceptable downtime</a:t>
             </a:r>
           </a:p>
           <a:p>
@@ -12973,7 +12961,7 @@
             </a:pPr>
             <a:r>
               <a:rPr lang="en-US" sz="1400" dirty="0"/>
-              <a:t>Measured in time (e.g., 4 hours)</a:t>
+              <a:t>How quickly must we recover?</a:t>
             </a:r>
           </a:p>
           <a:p>
@@ -12985,14 +12973,27 @@
               <a:buChar char="Ø"/>
             </a:pPr>
             <a:r>
+              <a:rPr lang="en-US" sz="1400" dirty="0"/>
+              <a:t>Measured in time (e.g., 4 hours)</a:t>
+            </a:r>
+          </a:p>
+          <a:p>
+            <a:pPr marL="742950" lvl="1" indent="-285750">
+              <a:spcBef>
+                <a:spcPts val="600"/>
+              </a:spcBef>
+              <a:buFont typeface="Wingdings" panose="05000000000000000000" pitchFamily="2" charset="2"/>
+              <a:buChar char="Ø"/>
+            </a:pPr>
+            <a:r>
               <a:rPr lang="en-IN" sz="1400" dirty="0"/>
               <a:t>Measures: </a:t>
             </a:r>
             <a:r>
               <a:rPr lang="en-IN" sz="1400" b="1" dirty="0"/>
-              <a:t>Data loss tolerance</a:t>
-            </a:r>
-            <a:endParaRPr lang="en-IN" sz="1400" dirty="0"/>
+              <a:t>Downtime tolerance</a:t>
+            </a:r>
+            <a:endParaRPr lang="en-US" sz="1400" dirty="0"/>
           </a:p>
         </p:txBody>
       </p:sp>
@@ -13404,7 +13405,7 @@
             </a:r>
             <a:r>
               <a:rPr lang="en-US" sz="1200" dirty="0"/>
-              <a:t> 2-6 hours (time to restore infrastructure + data + reconfigure)</a:t>
+              <a:t> 2-10 hours (time to restore infrastructure + data + reconfigure)</a:t>
             </a:r>
           </a:p>
           <a:p>
@@ -13872,11 +13873,19 @@
             </a:pPr>
             <a:r>
               <a:rPr lang="en-IN" sz="1200" b="1" dirty="0"/>
-              <a:t>RPO:</a:t>
+              <a:t>RPO</a:t>
+            </a:r>
+            <a:r>
+              <a:rPr lang="en-IN" sz="1200" b="1"/>
+              <a:t>:</a:t>
+            </a:r>
+            <a:r>
+              <a:rPr lang="en-IN" sz="1200"/>
+              <a:t> 5-15 </a:t>
             </a:r>
             <a:r>
               <a:rPr lang="en-IN" sz="1200" dirty="0"/>
-              <a:t> 1-5 minutes (continuous database replication)</a:t>
+              <a:t>minutes (continuous database replication)</a:t>
             </a:r>
             <a:br>
               <a:rPr lang="en-IN" sz="1200" dirty="0"/>
